--- a/PowerPoint Slides/07 - Error Handling.pptx
+++ b/PowerPoint Slides/07 - Error Handling.pptx
@@ -5,10 +5,10 @@
     <p:sldMasterId id="2147483651" r:id="rId1"/>
   </p:sldMasterIdLst>
   <p:notesMasterIdLst>
-    <p:notesMasterId r:id="rId24"/>
+    <p:notesMasterId r:id="rId25"/>
   </p:notesMasterIdLst>
   <p:handoutMasterIdLst>
-    <p:handoutMasterId r:id="rId25"/>
+    <p:handoutMasterId r:id="rId26"/>
   </p:handoutMasterIdLst>
   <p:sldIdLst>
     <p:sldId id="256" r:id="rId2"/>
@@ -30,12 +30,13 @@
     <p:sldId id="297" r:id="rId18"/>
     <p:sldId id="294" r:id="rId19"/>
     <p:sldId id="285" r:id="rId20"/>
-    <p:sldId id="290" r:id="rId21"/>
-    <p:sldId id="292" r:id="rId22"/>
-    <p:sldId id="291" r:id="rId23"/>
+    <p:sldId id="350" r:id="rId21"/>
+    <p:sldId id="290" r:id="rId22"/>
+    <p:sldId id="292" r:id="rId23"/>
+    <p:sldId id="291" r:id="rId24"/>
   </p:sldIdLst>
   <p:sldSz cx="9144000" cy="6858000" type="screen4x3"/>
-  <p:notesSz cx="7010400" cy="9296400"/>
+  <p:notesSz cx="7315200" cy="9601200"/>
   <p:defaultTextStyle>
     <a:defPPr>
       <a:defRPr lang="en-US"/>
@@ -178,12 +179,12 @@
     </p:ext>
     <p:ext uri="{2D200454-40CA-4A62-9FC3-DE9A4176ACB9}">
       <p15:notesGuideLst xmlns:p15="http://schemas.microsoft.com/office/powerpoint/2012/main">
-        <p15:guide id="1" orient="horz" pos="2928">
+        <p15:guide id="1" orient="horz" pos="3024" userDrawn="1">
           <p15:clr>
             <a:srgbClr val="A4A3A4"/>
           </p15:clr>
         </p15:guide>
-        <p15:guide id="2" pos="2208">
+        <p15:guide id="2" pos="2304" userDrawn="1">
           <p15:clr>
             <a:srgbClr val="A4A3A4"/>
           </p15:clr>
@@ -231,8 +232,8 @@
         </p:nvSpPr>
         <p:spPr bwMode="auto">
           <a:xfrm>
-            <a:off x="3971925" y="0"/>
-            <a:ext cx="3038475" cy="465138"/>
+            <a:off x="4144618" y="0"/>
+            <a:ext cx="3170583" cy="480388"/>
           </a:xfrm>
           <a:prstGeom prst="rect">
             <a:avLst/>
@@ -247,13 +248,13 @@
           <a:effectLst/>
         </p:spPr>
         <p:txBody>
-          <a:bodyPr vert="horz" wrap="square" lIns="93177" tIns="46589" rIns="93177" bIns="46589" numCol="1" anchor="t" anchorCtr="0" compatLnSpc="1">
+          <a:bodyPr vert="horz" wrap="square" lIns="96653" tIns="48327" rIns="96653" bIns="48327" numCol="1" anchor="t" anchorCtr="0" compatLnSpc="1">
             <a:prstTxWarp prst="textNoShape">
               <a:avLst/>
             </a:prstTxWarp>
           </a:bodyPr>
           <a:lstStyle>
-            <a:lvl1pPr algn="r" defTabSz="931863">
+            <a:lvl1pPr algn="r" defTabSz="966621">
               <a:defRPr sz="1200"/>
             </a:lvl1pPr>
           </a:lstStyle>
@@ -282,8 +283,8 @@
         </p:nvSpPr>
         <p:spPr bwMode="auto">
           <a:xfrm>
-            <a:off x="3971925" y="8831263"/>
-            <a:ext cx="3038475" cy="465137"/>
+            <a:off x="4144618" y="9120813"/>
+            <a:ext cx="3170583" cy="480387"/>
           </a:xfrm>
           <a:prstGeom prst="rect">
             <a:avLst/>
@@ -298,13 +299,13 @@
           <a:effectLst/>
         </p:spPr>
         <p:txBody>
-          <a:bodyPr vert="horz" wrap="square" lIns="93177" tIns="46589" rIns="93177" bIns="46589" numCol="1" anchor="b" anchorCtr="0" compatLnSpc="1">
+          <a:bodyPr vert="horz" wrap="square" lIns="96653" tIns="48327" rIns="96653" bIns="48327" numCol="1" anchor="b" anchorCtr="0" compatLnSpc="1">
             <a:prstTxWarp prst="textNoShape">
               <a:avLst/>
             </a:prstTxWarp>
           </a:bodyPr>
           <a:lstStyle>
-            <a:lvl1pPr algn="r" defTabSz="931863">
+            <a:lvl1pPr algn="r" defTabSz="966621">
               <a:defRPr sz="1200"/>
             </a:lvl1pPr>
           </a:lstStyle>
@@ -382,7 +383,7 @@
         <p:spPr bwMode="auto">
           <a:xfrm>
             <a:off x="0" y="0"/>
-            <a:ext cx="3038475" cy="465138"/>
+            <a:ext cx="3170583" cy="480388"/>
           </a:xfrm>
           <a:prstGeom prst="rect">
             <a:avLst/>
@@ -397,13 +398,13 @@
           <a:effectLst/>
         </p:spPr>
         <p:txBody>
-          <a:bodyPr vert="horz" wrap="square" lIns="93177" tIns="46589" rIns="93177" bIns="46589" numCol="1" anchor="t" anchorCtr="0" compatLnSpc="1">
+          <a:bodyPr vert="horz" wrap="square" lIns="96653" tIns="48327" rIns="96653" bIns="48327" numCol="1" anchor="t" anchorCtr="0" compatLnSpc="1">
             <a:prstTxWarp prst="textNoShape">
               <a:avLst/>
             </a:prstTxWarp>
           </a:bodyPr>
           <a:lstStyle>
-            <a:lvl1pPr algn="l" defTabSz="931863">
+            <a:lvl1pPr algn="l" defTabSz="966621">
               <a:defRPr sz="1200"/>
             </a:lvl1pPr>
           </a:lstStyle>
@@ -430,8 +431,8 @@
         </p:nvSpPr>
         <p:spPr bwMode="auto">
           <a:xfrm>
-            <a:off x="3971925" y="0"/>
-            <a:ext cx="3038475" cy="465138"/>
+            <a:off x="4144618" y="0"/>
+            <a:ext cx="3170583" cy="480388"/>
           </a:xfrm>
           <a:prstGeom prst="rect">
             <a:avLst/>
@@ -446,13 +447,13 @@
           <a:effectLst/>
         </p:spPr>
         <p:txBody>
-          <a:bodyPr vert="horz" wrap="square" lIns="93177" tIns="46589" rIns="93177" bIns="46589" numCol="1" anchor="t" anchorCtr="0" compatLnSpc="1">
+          <a:bodyPr vert="horz" wrap="square" lIns="96653" tIns="48327" rIns="96653" bIns="48327" numCol="1" anchor="t" anchorCtr="0" compatLnSpc="1">
             <a:prstTxWarp prst="textNoShape">
               <a:avLst/>
             </a:prstTxWarp>
           </a:bodyPr>
           <a:lstStyle>
-            <a:lvl1pPr algn="r" defTabSz="931863">
+            <a:lvl1pPr algn="r" defTabSz="966621">
               <a:defRPr sz="1200"/>
             </a:lvl1pPr>
           </a:lstStyle>
@@ -476,8 +477,8 @@
         </p:nvSpPr>
         <p:spPr bwMode="auto">
           <a:xfrm>
-            <a:off x="1181100" y="696913"/>
-            <a:ext cx="4648200" cy="3486150"/>
+            <a:off x="1257300" y="719138"/>
+            <a:ext cx="4800600" cy="3600450"/>
           </a:xfrm>
           <a:prstGeom prst="rect">
             <a:avLst/>
@@ -505,8 +506,8 @@
         </p:nvSpPr>
         <p:spPr bwMode="auto">
           <a:xfrm>
-            <a:off x="935038" y="4416425"/>
-            <a:ext cx="5140325" cy="4183063"/>
+            <a:off x="975693" y="4561226"/>
+            <a:ext cx="5363817" cy="4320213"/>
           </a:xfrm>
           <a:prstGeom prst="rect">
             <a:avLst/>
@@ -521,7 +522,7 @@
           <a:effectLst/>
         </p:spPr>
         <p:txBody>
-          <a:bodyPr vert="horz" wrap="square" lIns="93177" tIns="46589" rIns="93177" bIns="46589" numCol="1" anchor="t" anchorCtr="0" compatLnSpc="1">
+          <a:bodyPr vert="horz" wrap="square" lIns="96653" tIns="48327" rIns="96653" bIns="48327" numCol="1" anchor="t" anchorCtr="0" compatLnSpc="1">
             <a:prstTxWarp prst="textNoShape">
               <a:avLst/>
             </a:prstTxWarp>
@@ -576,8 +577,8 @@
         </p:nvSpPr>
         <p:spPr bwMode="auto">
           <a:xfrm>
-            <a:off x="0" y="8831263"/>
-            <a:ext cx="3038475" cy="465137"/>
+            <a:off x="0" y="9120813"/>
+            <a:ext cx="3170583" cy="480387"/>
           </a:xfrm>
           <a:prstGeom prst="rect">
             <a:avLst/>
@@ -592,13 +593,13 @@
           <a:effectLst/>
         </p:spPr>
         <p:txBody>
-          <a:bodyPr vert="horz" wrap="square" lIns="93177" tIns="46589" rIns="93177" bIns="46589" numCol="1" anchor="b" anchorCtr="0" compatLnSpc="1">
+          <a:bodyPr vert="horz" wrap="square" lIns="96653" tIns="48327" rIns="96653" bIns="48327" numCol="1" anchor="b" anchorCtr="0" compatLnSpc="1">
             <a:prstTxWarp prst="textNoShape">
               <a:avLst/>
             </a:prstTxWarp>
           </a:bodyPr>
           <a:lstStyle>
-            <a:lvl1pPr algn="l" defTabSz="931863">
+            <a:lvl1pPr algn="l" defTabSz="966621">
               <a:defRPr sz="1200"/>
             </a:lvl1pPr>
           </a:lstStyle>
@@ -622,8 +623,8 @@
         </p:nvSpPr>
         <p:spPr bwMode="auto">
           <a:xfrm>
-            <a:off x="3971925" y="8831263"/>
-            <a:ext cx="3038475" cy="465137"/>
+            <a:off x="4144618" y="9120813"/>
+            <a:ext cx="3170583" cy="480387"/>
           </a:xfrm>
           <a:prstGeom prst="rect">
             <a:avLst/>
@@ -638,13 +639,13 @@
           <a:effectLst/>
         </p:spPr>
         <p:txBody>
-          <a:bodyPr vert="horz" wrap="square" lIns="93177" tIns="46589" rIns="93177" bIns="46589" numCol="1" anchor="b" anchorCtr="0" compatLnSpc="1">
+          <a:bodyPr vert="horz" wrap="square" lIns="96653" tIns="48327" rIns="96653" bIns="48327" numCol="1" anchor="b" anchorCtr="0" compatLnSpc="1">
             <a:prstTxWarp prst="textNoShape">
               <a:avLst/>
             </a:prstTxWarp>
           </a:bodyPr>
           <a:lstStyle>
-            <a:lvl1pPr algn="r" defTabSz="931863">
+            <a:lvl1pPr algn="r" defTabSz="966621">
               <a:defRPr sz="1200"/>
             </a:lvl1pPr>
           </a:lstStyle>
@@ -1865,19 +1866,21 @@
       </p:grpSpPr>
       <p:sp>
         <p:nvSpPr>
-          <p:cNvPr id="2" name="Slide Image Placeholder 1"/>
-          <p:cNvSpPr>
-            <a:spLocks noGrp="1" noRot="1" noChangeAspect="1"/>
+          <p:cNvPr id="25602" name="Slide Image Placeholder 1"/>
+          <p:cNvSpPr>
+            <a:spLocks noGrp="1" noRot="1" noChangeAspect="1" noTextEdit="1"/>
           </p:cNvSpPr>
           <p:nvPr>
             <p:ph type="sldImg"/>
           </p:nvPr>
         </p:nvSpPr>
-        <p:spPr/>
-      </p:sp>
-      <p:sp>
-        <p:nvSpPr>
-          <p:cNvPr id="3" name="Notes Placeholder 2"/>
+        <p:spPr>
+          <a:ln/>
+        </p:spPr>
+      </p:sp>
+      <p:sp>
+        <p:nvSpPr>
+          <p:cNvPr id="25603" name="Notes Placeholder 2"/>
           <p:cNvSpPr>
             <a:spLocks noGrp="1"/>
           </p:cNvSpPr>
@@ -1885,11 +1888,12 @@
             <p:ph type="body" idx="1"/>
           </p:nvPr>
         </p:nvSpPr>
-        <p:spPr/>
-        <p:txBody>
-          <a:bodyPr>
-            <a:normAutofit/>
-          </a:bodyPr>
+        <p:spPr>
+          <a:noFill/>
+          <a:ln/>
+        </p:spPr>
+        <p:txBody>
+          <a:bodyPr/>
           <a:lstStyle/>
           <a:p>
             <a:endParaRPr lang="en-US"/>
@@ -1898,22 +1902,21 @@
       </p:sp>
       <p:sp>
         <p:nvSpPr>
-          <p:cNvPr id="4" name="Header Placeholder 3"/>
-          <p:cNvSpPr>
-            <a:spLocks noGrp="1"/>
-          </p:cNvSpPr>
-          <p:nvPr>
-            <p:ph type="hdr" sz="quarter" idx="10"/>
-          </p:nvPr>
-        </p:nvSpPr>
-        <p:spPr/>
-        <p:txBody>
-          <a:bodyPr/>
-          <a:lstStyle/>
-          <a:p>
-            <a:pPr>
-              <a:defRPr/>
-            </a:pPr>
+          <p:cNvPr id="25604" name="Header Placeholder 3"/>
+          <p:cNvSpPr>
+            <a:spLocks noGrp="1"/>
+          </p:cNvSpPr>
+          <p:nvPr>
+            <p:ph type="hdr" sz="quarter"/>
+          </p:nvPr>
+        </p:nvSpPr>
+        <p:spPr>
+          <a:noFill/>
+        </p:spPr>
+        <p:txBody>
+          <a:bodyPr/>
+          <a:lstStyle/>
+          <a:p>
             <a:r>
               <a:rPr lang="en-US"/>
               <a:t>Error Handling/Recovery</a:t>
@@ -1923,27 +1926,24 @@
       </p:sp>
       <p:sp>
         <p:nvSpPr>
-          <p:cNvPr id="5" name="Slide Number Placeholder 4"/>
-          <p:cNvSpPr>
-            <a:spLocks noGrp="1"/>
-          </p:cNvSpPr>
-          <p:nvPr>
-            <p:ph type="sldNum" sz="quarter" idx="11"/>
-          </p:nvPr>
-        </p:nvSpPr>
-        <p:spPr/>
-        <p:txBody>
-          <a:bodyPr/>
-          <a:lstStyle/>
-          <a:p>
-            <a:pPr>
-              <a:defRPr/>
-            </a:pPr>
-            <a:fld id="{2BFD5EC9-8BB5-4004-863A-6F8E90CF6E11}" type="slidenum">
+          <p:cNvPr id="25605" name="Slide Number Placeholder 4"/>
+          <p:cNvSpPr>
+            <a:spLocks noGrp="1"/>
+          </p:cNvSpPr>
+          <p:nvPr>
+            <p:ph type="sldNum" sz="quarter" idx="5"/>
+          </p:nvPr>
+        </p:nvSpPr>
+        <p:spPr>
+          <a:noFill/>
+        </p:spPr>
+        <p:txBody>
+          <a:bodyPr/>
+          <a:lstStyle/>
+          <a:p>
+            <a:fld id="{74B7879F-EF9E-4F76-84F9-353033F1FA96}" type="slidenum">
               <a:rPr lang="en-US" smtClean="0"/>
-              <a:pPr>
-                <a:defRPr/>
-              </a:pPr>
+              <a:pPr/>
               <a:t>20</a:t>
             </a:fld>
             <a:endParaRPr lang="en-US"/>
@@ -1953,7 +1953,7 @@
     </p:spTree>
     <p:extLst>
       <p:ext uri="{BB962C8B-B14F-4D97-AF65-F5344CB8AC3E}">
-        <p14:creationId xmlns:p14="http://schemas.microsoft.com/office/powerpoint/2010/main" val="4032950668"/>
+        <p14:creationId xmlns:p14="http://schemas.microsoft.com/office/powerpoint/2010/main" val="3311149288"/>
       </p:ext>
     </p:extLst>
   </p:cSld>
@@ -2070,7 +2070,7 @@
     </p:spTree>
     <p:extLst>
       <p:ext uri="{BB962C8B-B14F-4D97-AF65-F5344CB8AC3E}">
-        <p14:creationId xmlns:p14="http://schemas.microsoft.com/office/powerpoint/2010/main" val="788038621"/>
+        <p14:creationId xmlns:p14="http://schemas.microsoft.com/office/powerpoint/2010/main" val="4032950668"/>
       </p:ext>
     </p:extLst>
   </p:cSld>
@@ -2295,6 +2295,123 @@
                 <a:defRPr/>
               </a:pPr>
               <a:t>22</a:t>
+            </a:fld>
+            <a:endParaRPr lang="en-US"/>
+          </a:p>
+        </p:txBody>
+      </p:sp>
+    </p:spTree>
+    <p:extLst>
+      <p:ext uri="{BB962C8B-B14F-4D97-AF65-F5344CB8AC3E}">
+        <p14:creationId xmlns:p14="http://schemas.microsoft.com/office/powerpoint/2010/main" val="788038621"/>
+      </p:ext>
+    </p:extLst>
+  </p:cSld>
+  <p:clrMapOvr>
+    <a:masterClrMapping/>
+  </p:clrMapOvr>
+</p:notes>
+</file>
+
+<file path=ppt/notesSlides/notesSlide21.xml><?xml version="1.0" encoding="utf-8"?>
+<p:notes xmlns:a="http://schemas.openxmlformats.org/drawingml/2006/main" xmlns:r="http://schemas.openxmlformats.org/officeDocument/2006/relationships" xmlns:p="http://schemas.openxmlformats.org/presentationml/2006/main">
+  <p:cSld>
+    <p:spTree>
+      <p:nvGrpSpPr>
+        <p:cNvPr id="1" name=""/>
+        <p:cNvGrpSpPr/>
+        <p:nvPr/>
+      </p:nvGrpSpPr>
+      <p:grpSpPr>
+        <a:xfrm>
+          <a:off x="0" y="0"/>
+          <a:ext cx="0" cy="0"/>
+          <a:chOff x="0" y="0"/>
+          <a:chExt cx="0" cy="0"/>
+        </a:xfrm>
+      </p:grpSpPr>
+      <p:sp>
+        <p:nvSpPr>
+          <p:cNvPr id="2" name="Slide Image Placeholder 1"/>
+          <p:cNvSpPr>
+            <a:spLocks noGrp="1" noRot="1" noChangeAspect="1"/>
+          </p:cNvSpPr>
+          <p:nvPr>
+            <p:ph type="sldImg"/>
+          </p:nvPr>
+        </p:nvSpPr>
+        <p:spPr/>
+      </p:sp>
+      <p:sp>
+        <p:nvSpPr>
+          <p:cNvPr id="3" name="Notes Placeholder 2"/>
+          <p:cNvSpPr>
+            <a:spLocks noGrp="1"/>
+          </p:cNvSpPr>
+          <p:nvPr>
+            <p:ph type="body" idx="1"/>
+          </p:nvPr>
+        </p:nvSpPr>
+        <p:spPr/>
+        <p:txBody>
+          <a:bodyPr>
+            <a:normAutofit/>
+          </a:bodyPr>
+          <a:lstStyle/>
+          <a:p>
+            <a:endParaRPr lang="en-US"/>
+          </a:p>
+        </p:txBody>
+      </p:sp>
+      <p:sp>
+        <p:nvSpPr>
+          <p:cNvPr id="4" name="Header Placeholder 3"/>
+          <p:cNvSpPr>
+            <a:spLocks noGrp="1"/>
+          </p:cNvSpPr>
+          <p:nvPr>
+            <p:ph type="hdr" sz="quarter" idx="10"/>
+          </p:nvPr>
+        </p:nvSpPr>
+        <p:spPr/>
+        <p:txBody>
+          <a:bodyPr/>
+          <a:lstStyle/>
+          <a:p>
+            <a:pPr>
+              <a:defRPr/>
+            </a:pPr>
+            <a:r>
+              <a:rPr lang="en-US"/>
+              <a:t>Error Handling/Recovery</a:t>
+            </a:r>
+          </a:p>
+        </p:txBody>
+      </p:sp>
+      <p:sp>
+        <p:nvSpPr>
+          <p:cNvPr id="5" name="Slide Number Placeholder 4"/>
+          <p:cNvSpPr>
+            <a:spLocks noGrp="1"/>
+          </p:cNvSpPr>
+          <p:nvPr>
+            <p:ph type="sldNum" sz="quarter" idx="11"/>
+          </p:nvPr>
+        </p:nvSpPr>
+        <p:spPr/>
+        <p:txBody>
+          <a:bodyPr/>
+          <a:lstStyle/>
+          <a:p>
+            <a:pPr>
+              <a:defRPr/>
+            </a:pPr>
+            <a:fld id="{2BFD5EC9-8BB5-4004-863A-6F8E90CF6E11}" type="slidenum">
+              <a:rPr lang="en-US" smtClean="0"/>
+              <a:pPr>
+                <a:defRPr/>
+              </a:pPr>
+              <a:t>23</a:t>
             </a:fld>
             <a:endParaRPr lang="en-US"/>
           </a:p>
@@ -8094,7 +8211,7 @@
       </p:grpSpPr>
       <p:sp>
         <p:nvSpPr>
-          <p:cNvPr id="2" name="Title 1"/>
+          <p:cNvPr id="12290" name="Title 1"/>
           <p:cNvSpPr>
             <a:spLocks noGrp="1"/>
           </p:cNvSpPr>
@@ -8109,14 +8226,22 @@
           <a:p>
             <a:r>
               <a:rPr lang="en-US" dirty="0"/>
-              <a:t>Additional Error Recovery Strategies</a:t>
-            </a:r>
-          </a:p>
-        </p:txBody>
-      </p:sp>
-      <p:sp>
-        <p:nvSpPr>
-          <p:cNvPr id="3" name="Content Placeholder 2"/>
+              <a:t>Implementing Error Recovery</a:t>
+            </a:r>
+            <a:br>
+              <a:rPr lang="en-US" dirty="0"/>
+            </a:br>
+            <a:r>
+              <a:rPr lang="en-US" sz="2400" dirty="0"/>
+              <a:t>(continued)</a:t>
+            </a:r>
+            <a:endParaRPr lang="en-US" dirty="0"/>
+          </a:p>
+        </p:txBody>
+      </p:sp>
+      <p:sp>
+        <p:nvSpPr>
+          <p:cNvPr id="12291" name="Content Placeholder 2"/>
           <p:cNvSpPr>
             <a:spLocks noGrp="1"/>
           </p:cNvSpPr>
@@ -8124,85 +8249,75 @@
             <p:ph idx="1"/>
           </p:nvPr>
         </p:nvSpPr>
-        <p:spPr/>
-        <p:txBody>
-          <a:bodyPr/>
-          <a:lstStyle/>
-          <a:p>
-            <a:r>
-              <a:rPr lang="en-US" dirty="0"/>
-              <a:t>After reporting the error, replace the token with one that might be allowed at that point in the parsing process.</a:t>
-            </a:r>
-          </a:p>
-          <a:p>
-            <a:r>
-              <a:rPr lang="en-US" dirty="0"/>
-              <a:t>Examples</a:t>
-            </a:r>
-          </a:p>
-          <a:p>
-            <a:pPr lvl="1"/>
-            <a:r>
-              <a:rPr lang="en-US" dirty="0"/>
-              <a:t>Replace “</a:t>
+        <p:spPr>
+          <a:xfrm>
+            <a:off x="458787" y="1363663"/>
+            <a:ext cx="8229600" cy="4935537"/>
+          </a:xfrm>
+        </p:spPr>
+        <p:txBody>
+          <a:bodyPr/>
+          <a:lstStyle/>
+          <a:p>
+            <a:r>
+              <a:rPr lang="en-US" dirty="0"/>
+              <a:t>Additionally, method </a:t>
+            </a:r>
+            <a:r>
+              <a:rPr lang="en-US" dirty="0" err="1">
+                <a:latin typeface="Consolas" panose="020B0609020204030204" pitchFamily="49" charset="0"/>
+              </a:rPr>
+              <a:t>parseVariableExpr</a:t>
             </a:r>
             <a:r>
               <a:rPr lang="en-US" dirty="0">
-                <a:latin typeface="Consolas" pitchFamily="49" charset="0"/>
-                <a:cs typeface="Consolas" pitchFamily="49" charset="0"/>
-              </a:rPr>
-              <a:t>=</a:t>
-            </a:r>
-            <a:r>
-              <a:rPr lang="en-US" dirty="0"/>
-              <a:t>” by “</a:t>
+                <a:latin typeface="Consolas" panose="020B0609020204030204" pitchFamily="49" charset="0"/>
+              </a:rPr>
+              <a:t>()</a:t>
+            </a:r>
+            <a:r>
+              <a:rPr lang="en-US" dirty="0"/>
+              <a:t> and the </a:t>
             </a:r>
             <a:r>
               <a:rPr lang="en-US" dirty="0">
-                <a:latin typeface="Consolas" pitchFamily="49" charset="0"/>
-                <a:cs typeface="Consolas" pitchFamily="49" charset="0"/>
-              </a:rPr>
-              <a:t>:=</a:t>
-            </a:r>
-            <a:r>
-              <a:rPr lang="en-US" dirty="0"/>
-              <a:t>” when parsing an assignment statement in a CPRL compiler.</a:t>
-            </a:r>
-          </a:p>
-          <a:p>
-            <a:pPr lvl="1"/>
-            <a:r>
-              <a:rPr lang="en-US" dirty="0"/>
-              <a:t>Replace “</a:t>
-            </a:r>
-            <a:r>
-              <a:rPr lang="en-US" dirty="0">
-                <a:latin typeface="Consolas" pitchFamily="49" charset="0"/>
-                <a:cs typeface="Consolas" pitchFamily="49" charset="0"/>
-              </a:rPr>
-              <a:t>=</a:t>
-            </a:r>
-            <a:r>
-              <a:rPr lang="en-US" dirty="0"/>
-              <a:t>” by “</a:t>
-            </a:r>
-            <a:r>
-              <a:rPr lang="en-US" dirty="0">
-                <a:latin typeface="Consolas" pitchFamily="49" charset="0"/>
-                <a:cs typeface="Consolas" pitchFamily="49" charset="0"/>
-              </a:rPr>
-              <a:t>==</a:t>
-            </a:r>
-            <a:r>
-              <a:rPr lang="en-US" dirty="0"/>
-              <a:t>” when expecting a relational operator in a Java compiler.</a:t>
-            </a:r>
-          </a:p>
-        </p:txBody>
-      </p:sp>
-      <p:sp>
-        <p:nvSpPr>
-          <p:cNvPr id="4" name="Footer Placeholder 3"/>
+                <a:latin typeface="Consolas" panose="020B0609020204030204" pitchFamily="49" charset="0"/>
+              </a:rPr>
+              <a:t>add()</a:t>
+            </a:r>
+            <a:r>
+              <a:rPr lang="en-US" dirty="0"/>
+              <a:t> method of class </a:t>
+            </a:r>
+            <a:r>
+              <a:rPr lang="en-US" dirty="0" err="1">
+                <a:latin typeface="Consolas" panose="020B0609020204030204" pitchFamily="49" charset="0"/>
+              </a:rPr>
+              <a:t>IdTable</a:t>
+            </a:r>
+            <a:r>
+              <a:rPr lang="en-US" dirty="0"/>
+              <a:t> can throw a </a:t>
+            </a:r>
+            <a:r>
+              <a:rPr lang="en-US" dirty="0" err="1">
+                <a:latin typeface="Consolas" panose="020B0609020204030204" pitchFamily="49" charset="0"/>
+              </a:rPr>
+              <a:t>ParserException</a:t>
+            </a:r>
+            <a:r>
+              <a:rPr lang="en-US" dirty="0"/>
+              <a:t>.</a:t>
+            </a:r>
+          </a:p>
+          <a:p>
+            <a:endParaRPr lang="en-US" dirty="0"/>
+          </a:p>
+        </p:txBody>
+      </p:sp>
+      <p:sp>
+        <p:nvSpPr>
+          <p:cNvPr id="12292" name="Footer Placeholder 3"/>
           <p:cNvSpPr>
             <a:spLocks noGrp="1"/>
           </p:cNvSpPr>
@@ -8210,14 +8325,13 @@
             <p:ph type="ftr" sz="quarter" idx="10"/>
           </p:nvPr>
         </p:nvSpPr>
-        <p:spPr/>
-        <p:txBody>
-          <a:bodyPr/>
-          <a:lstStyle/>
-          <a:p>
-            <a:pPr>
-              <a:defRPr/>
-            </a:pPr>
+        <p:spPr>
+          <a:noFill/>
+        </p:spPr>
+        <p:txBody>
+          <a:bodyPr/>
+          <a:lstStyle/>
+          <a:p>
             <a:r>
               <a:rPr lang="en-US"/>
               <a:t>©SoftMoore Consulting</a:t>
@@ -8227,7 +8341,7 @@
       </p:sp>
       <p:sp>
         <p:nvSpPr>
-          <p:cNvPr id="5" name="Slide Number Placeholder 4"/>
+          <p:cNvPr id="12293" name="Slide Number Placeholder 4"/>
           <p:cNvSpPr>
             <a:spLocks noGrp="1"/>
           </p:cNvSpPr>
@@ -8235,30 +8349,133 @@
             <p:ph type="sldNum" sz="quarter" idx="11"/>
           </p:nvPr>
         </p:nvSpPr>
-        <p:spPr/>
-        <p:txBody>
-          <a:bodyPr/>
-          <a:lstStyle/>
-          <a:p>
-            <a:pPr>
-              <a:defRPr/>
-            </a:pPr>
+        <p:spPr>
+          <a:noFill/>
+        </p:spPr>
+        <p:txBody>
+          <a:bodyPr/>
+          <a:lstStyle/>
+          <a:p>
             <a:r>
               <a:rPr lang="en-US"/>
               <a:t>Slide </a:t>
             </a:r>
-            <a:fld id="{5F271557-76C1-4390-9827-E45E8E4E29D5}" type="slidenum">
+            <a:fld id="{BA05502E-EC74-4E63-800A-7EC72E27E9CC}" type="slidenum">
               <a:rPr lang="en-US" smtClean="0"/>
-              <a:pPr>
-                <a:defRPr/>
-              </a:pPr>
+              <a:pPr/>
               <a:t>20</a:t>
             </a:fld>
             <a:endParaRPr lang="en-US"/>
           </a:p>
         </p:txBody>
       </p:sp>
+      <p:sp>
+        <p:nvSpPr>
+          <p:cNvPr id="3" name="TextBox 2">
+            <a:extLst>
+              <a:ext uri="{FF2B5EF4-FFF2-40B4-BE49-F238E27FC236}">
+                <a16:creationId xmlns:a16="http://schemas.microsoft.com/office/drawing/2014/main" id="{FDDC2DD0-C332-4D10-BB79-F240AA53A3B1}"/>
+              </a:ext>
+            </a:extLst>
+          </p:cNvPr>
+          <p:cNvSpPr txBox="1"/>
+          <p:nvPr/>
+        </p:nvSpPr>
+        <p:spPr>
+          <a:xfrm>
+            <a:off x="685800" y="3048000"/>
+            <a:ext cx="7772400" cy="1569660"/>
+          </a:xfrm>
+          <a:prstGeom prst="rect">
+            <a:avLst/>
+          </a:prstGeom>
+          <a:noFill/>
+          <a:ln>
+            <a:solidFill>
+              <a:schemeClr val="tx1"/>
+            </a:solidFill>
+          </a:ln>
+        </p:spPr>
+        <p:txBody>
+          <a:bodyPr wrap="none" rtlCol="0">
+            <a:spAutoFit/>
+          </a:bodyPr>
+          <a:lstStyle/>
+          <a:p>
+            <a:pPr algn="l"/>
+            <a:r>
+              <a:rPr lang="en-US" dirty="0">
+                <a:latin typeface="Consolas" panose="020B0609020204030204" pitchFamily="49" charset="0"/>
+              </a:rPr>
+              <a:t>match()</a:t>
+            </a:r>
+            <a:r>
+              <a:rPr lang="en-US" dirty="0"/>
+              <a:t>, </a:t>
+            </a:r>
+            <a:r>
+              <a:rPr lang="en-US" dirty="0">
+                <a:latin typeface="Consolas" panose="020B0609020204030204" pitchFamily="49" charset="0"/>
+              </a:rPr>
+              <a:t>add()</a:t>
+            </a:r>
+            <a:r>
+              <a:rPr lang="en-US" dirty="0"/>
+              <a:t>, and </a:t>
+            </a:r>
+            <a:r>
+              <a:rPr lang="en-US" dirty="0" err="1">
+                <a:latin typeface="Consolas" panose="020B0609020204030204" pitchFamily="49" charset="0"/>
+              </a:rPr>
+              <a:t>parseVariableExpr</a:t>
+            </a:r>
+            <a:r>
+              <a:rPr lang="en-US" dirty="0">
+                <a:latin typeface="Consolas" panose="020B0609020204030204" pitchFamily="49" charset="0"/>
+              </a:rPr>
+              <a:t>()</a:t>
+            </a:r>
+            <a:r>
+              <a:rPr lang="en-US" dirty="0"/>
+              <a:t> are the</a:t>
+            </a:r>
+          </a:p>
+          <a:p>
+            <a:pPr algn="l"/>
+            <a:r>
+              <a:rPr lang="en-US" dirty="0"/>
+              <a:t>only three methods that throw a </a:t>
+            </a:r>
+            <a:r>
+              <a:rPr lang="en-US" dirty="0" err="1">
+                <a:latin typeface="Consolas" panose="020B0609020204030204" pitchFamily="49" charset="0"/>
+              </a:rPr>
+              <a:t>ParserException</a:t>
+            </a:r>
+            <a:endParaRPr lang="en-US" dirty="0"/>
+          </a:p>
+          <a:p>
+            <a:pPr algn="l"/>
+            <a:r>
+              <a:rPr lang="en-US" dirty="0"/>
+              <a:t>back to the caller, so any method that calls one of</a:t>
+            </a:r>
+          </a:p>
+          <a:p>
+            <a:pPr algn="l"/>
+            <a:r>
+              <a:rPr lang="en-US" dirty="0"/>
+              <a:t>these three methods will need to have a try/catch block.</a:t>
+            </a:r>
+          </a:p>
+        </p:txBody>
+      </p:sp>
     </p:spTree>
+    <p:extLst>
+      <p:ext uri="{BB962C8B-B14F-4D97-AF65-F5344CB8AC3E}">
+        <p14:creationId xmlns:p14="http://schemas.microsoft.com/office/powerpoint/2010/main" val="2189464222"/>
+      </p:ext>
+    </p:extLst>
   </p:cSld>
   <p:clrMapOvr>
     <a:masterClrMapping/>
@@ -8302,13 +8519,6 @@
               <a:rPr lang="en-US" dirty="0"/>
               <a:t>Additional Error Recovery Strategies</a:t>
             </a:r>
-            <a:br>
-              <a:rPr lang="en-US" dirty="0"/>
-            </a:br>
-            <a:r>
-              <a:rPr lang="en-US" sz="2400" dirty="0"/>
-              <a:t>(continued)</a:t>
-            </a:r>
           </a:p>
         </p:txBody>
       </p:sp>
@@ -8329,7 +8539,7 @@
           <a:p>
             <a:r>
               <a:rPr lang="en-US" dirty="0"/>
-              <a:t>After reporting the error, insert a new token in front of the one that generated the error.</a:t>
+              <a:t>After reporting the error, replace the token with one that might be allowed at that point in the parsing process.</a:t>
             </a:r>
           </a:p>
           <a:p>
@@ -8342,80 +8552,58 @@
             <a:pPr lvl="1"/>
             <a:r>
               <a:rPr lang="en-US" dirty="0"/>
-              <a:t>When parsing an exit statement, after matching “</a:t>
+              <a:t>Replace “</a:t>
             </a:r>
             <a:r>
               <a:rPr lang="en-US" dirty="0">
                 <a:latin typeface="Consolas" pitchFamily="49" charset="0"/>
                 <a:cs typeface="Consolas" pitchFamily="49" charset="0"/>
               </a:rPr>
-              <a:t>exit</a:t>
-            </a:r>
-            <a:r>
-              <a:rPr lang="en-US" dirty="0"/>
-              <a:t>”, if the symbol encountered is in the first set of expression, insert “</a:t>
+              <a:t>=</a:t>
+            </a:r>
+            <a:r>
+              <a:rPr lang="en-US" dirty="0"/>
+              <a:t>” by “</a:t>
             </a:r>
             <a:r>
               <a:rPr lang="en-US" dirty="0">
                 <a:latin typeface="Consolas" pitchFamily="49" charset="0"/>
                 <a:cs typeface="Consolas" pitchFamily="49" charset="0"/>
               </a:rPr>
-              <a:t>when</a:t>
-            </a:r>
-            <a:r>
-              <a:rPr lang="en-US" dirty="0"/>
-              <a:t>” and continue parsing.</a:t>
+              <a:t>:=</a:t>
+            </a:r>
+            <a:r>
+              <a:rPr lang="en-US" dirty="0"/>
+              <a:t>” when parsing an assignment statement in a CPRL compiler.</a:t>
             </a:r>
           </a:p>
           <a:p>
             <a:pPr lvl="1"/>
             <a:r>
               <a:rPr lang="en-US" dirty="0"/>
-              <a:t>When parsing an expression, if “</a:t>
+              <a:t>Replace “</a:t>
             </a:r>
             <a:r>
               <a:rPr lang="en-US" dirty="0">
                 <a:latin typeface="Consolas" pitchFamily="49" charset="0"/>
                 <a:cs typeface="Consolas" pitchFamily="49" charset="0"/>
               </a:rPr>
-              <a:t>)</a:t>
-            </a:r>
-            <a:r>
-              <a:rPr lang="en-US" dirty="0"/>
-              <a:t>” is expected but “</a:t>
+              <a:t>=</a:t>
+            </a:r>
+            <a:r>
+              <a:rPr lang="en-US" dirty="0"/>
+              <a:t>” by “</a:t>
             </a:r>
             <a:r>
               <a:rPr lang="en-US" dirty="0">
                 <a:latin typeface="Consolas" pitchFamily="49" charset="0"/>
                 <a:cs typeface="Consolas" pitchFamily="49" charset="0"/>
               </a:rPr>
-              <a:t>;</a:t>
-            </a:r>
-            <a:r>
-              <a:rPr lang="en-US" dirty="0"/>
-              <a:t>” is encountered as the next symbol, insert “</a:t>
-            </a:r>
-            <a:r>
-              <a:rPr lang="en-US" dirty="0">
-                <a:latin typeface="Consolas" pitchFamily="49" charset="0"/>
-                <a:cs typeface="Consolas" pitchFamily="49" charset="0"/>
-              </a:rPr>
-              <a:t>)</a:t>
-            </a:r>
-            <a:r>
-              <a:rPr lang="en-US" dirty="0"/>
-              <a:t>” with the expectation that the “</a:t>
-            </a:r>
-            <a:r>
-              <a:rPr lang="en-US" dirty="0">
-                <a:latin typeface="Consolas" pitchFamily="49" charset="0"/>
-                <a:cs typeface="Consolas" pitchFamily="49" charset="0"/>
-              </a:rPr>
-              <a:t>;</a:t>
-            </a:r>
-            <a:r>
-              <a:rPr lang="en-US" dirty="0"/>
-              <a:t>” will likely terminate a statement.</a:t>
+              <a:t>==</a:t>
+            </a:r>
+            <a:r>
+              <a:rPr lang="en-US" dirty="0"/>
+              <a:t>” when expecting a relational operator in a Java compiler.</a:t>
             </a:r>
           </a:p>
         </p:txBody>
@@ -8520,6 +8708,226 @@
           <a:p>
             <a:r>
               <a:rPr lang="en-US" dirty="0"/>
+              <a:t>Additional Error Recovery Strategies</a:t>
+            </a:r>
+            <a:br>
+              <a:rPr lang="en-US" dirty="0"/>
+            </a:br>
+            <a:r>
+              <a:rPr lang="en-US" sz="2400" dirty="0"/>
+              <a:t>(continued)</a:t>
+            </a:r>
+          </a:p>
+        </p:txBody>
+      </p:sp>
+      <p:sp>
+        <p:nvSpPr>
+          <p:cNvPr id="3" name="Content Placeholder 2"/>
+          <p:cNvSpPr>
+            <a:spLocks noGrp="1"/>
+          </p:cNvSpPr>
+          <p:nvPr>
+            <p:ph idx="1"/>
+          </p:nvPr>
+        </p:nvSpPr>
+        <p:spPr/>
+        <p:txBody>
+          <a:bodyPr/>
+          <a:lstStyle/>
+          <a:p>
+            <a:r>
+              <a:rPr lang="en-US" dirty="0"/>
+              <a:t>After reporting the error, insert a new token in front of the one that generated the error.</a:t>
+            </a:r>
+          </a:p>
+          <a:p>
+            <a:r>
+              <a:rPr lang="en-US" dirty="0"/>
+              <a:t>Examples</a:t>
+            </a:r>
+          </a:p>
+          <a:p>
+            <a:pPr lvl="1"/>
+            <a:r>
+              <a:rPr lang="en-US" dirty="0"/>
+              <a:t>When parsing an exit statement, after matching “</a:t>
+            </a:r>
+            <a:r>
+              <a:rPr lang="en-US" dirty="0">
+                <a:latin typeface="Consolas" pitchFamily="49" charset="0"/>
+                <a:cs typeface="Consolas" pitchFamily="49" charset="0"/>
+              </a:rPr>
+              <a:t>exit</a:t>
+            </a:r>
+            <a:r>
+              <a:rPr lang="en-US" dirty="0"/>
+              <a:t>”, if the symbol encountered is in the first set of expression, insert “</a:t>
+            </a:r>
+            <a:r>
+              <a:rPr lang="en-US" dirty="0">
+                <a:latin typeface="Consolas" pitchFamily="49" charset="0"/>
+                <a:cs typeface="Consolas" pitchFamily="49" charset="0"/>
+              </a:rPr>
+              <a:t>when</a:t>
+            </a:r>
+            <a:r>
+              <a:rPr lang="en-US" dirty="0"/>
+              <a:t>” and continue parsing.</a:t>
+            </a:r>
+          </a:p>
+          <a:p>
+            <a:pPr lvl="1"/>
+            <a:r>
+              <a:rPr lang="en-US" dirty="0"/>
+              <a:t>When parsing an expression, if “</a:t>
+            </a:r>
+            <a:r>
+              <a:rPr lang="en-US" dirty="0">
+                <a:latin typeface="Consolas" pitchFamily="49" charset="0"/>
+                <a:cs typeface="Consolas" pitchFamily="49" charset="0"/>
+              </a:rPr>
+              <a:t>)</a:t>
+            </a:r>
+            <a:r>
+              <a:rPr lang="en-US" dirty="0"/>
+              <a:t>” is expected but “</a:t>
+            </a:r>
+            <a:r>
+              <a:rPr lang="en-US" dirty="0">
+                <a:latin typeface="Consolas" pitchFamily="49" charset="0"/>
+                <a:cs typeface="Consolas" pitchFamily="49" charset="0"/>
+              </a:rPr>
+              <a:t>;</a:t>
+            </a:r>
+            <a:r>
+              <a:rPr lang="en-US" dirty="0"/>
+              <a:t>” is encountered as the next symbol, insert “</a:t>
+            </a:r>
+            <a:r>
+              <a:rPr lang="en-US" dirty="0">
+                <a:latin typeface="Consolas" pitchFamily="49" charset="0"/>
+                <a:cs typeface="Consolas" pitchFamily="49" charset="0"/>
+              </a:rPr>
+              <a:t>)</a:t>
+            </a:r>
+            <a:r>
+              <a:rPr lang="en-US" dirty="0"/>
+              <a:t>” with the expectation that the “</a:t>
+            </a:r>
+            <a:r>
+              <a:rPr lang="en-US" dirty="0">
+                <a:latin typeface="Consolas" pitchFamily="49" charset="0"/>
+                <a:cs typeface="Consolas" pitchFamily="49" charset="0"/>
+              </a:rPr>
+              <a:t>;</a:t>
+            </a:r>
+            <a:r>
+              <a:rPr lang="en-US" dirty="0"/>
+              <a:t>” will likely terminate a statement.</a:t>
+            </a:r>
+          </a:p>
+        </p:txBody>
+      </p:sp>
+      <p:sp>
+        <p:nvSpPr>
+          <p:cNvPr id="4" name="Footer Placeholder 3"/>
+          <p:cNvSpPr>
+            <a:spLocks noGrp="1"/>
+          </p:cNvSpPr>
+          <p:nvPr>
+            <p:ph type="ftr" sz="quarter" idx="10"/>
+          </p:nvPr>
+        </p:nvSpPr>
+        <p:spPr/>
+        <p:txBody>
+          <a:bodyPr/>
+          <a:lstStyle/>
+          <a:p>
+            <a:pPr>
+              <a:defRPr/>
+            </a:pPr>
+            <a:r>
+              <a:rPr lang="en-US"/>
+              <a:t>©SoftMoore Consulting</a:t>
+            </a:r>
+          </a:p>
+        </p:txBody>
+      </p:sp>
+      <p:sp>
+        <p:nvSpPr>
+          <p:cNvPr id="5" name="Slide Number Placeholder 4"/>
+          <p:cNvSpPr>
+            <a:spLocks noGrp="1"/>
+          </p:cNvSpPr>
+          <p:nvPr>
+            <p:ph type="sldNum" sz="quarter" idx="11"/>
+          </p:nvPr>
+        </p:nvSpPr>
+        <p:spPr/>
+        <p:txBody>
+          <a:bodyPr/>
+          <a:lstStyle/>
+          <a:p>
+            <a:pPr>
+              <a:defRPr/>
+            </a:pPr>
+            <a:r>
+              <a:rPr lang="en-US"/>
+              <a:t>Slide </a:t>
+            </a:r>
+            <a:fld id="{5F271557-76C1-4390-9827-E45E8E4E29D5}" type="slidenum">
+              <a:rPr lang="en-US" smtClean="0"/>
+              <a:pPr>
+                <a:defRPr/>
+              </a:pPr>
+              <a:t>22</a:t>
+            </a:fld>
+            <a:endParaRPr lang="en-US"/>
+          </a:p>
+        </p:txBody>
+      </p:sp>
+    </p:spTree>
+  </p:cSld>
+  <p:clrMapOvr>
+    <a:masterClrMapping/>
+  </p:clrMapOvr>
+</p:sld>
+</file>
+
+<file path=ppt/slides/slide23.xml><?xml version="1.0" encoding="utf-8"?>
+<p:sld xmlns:a="http://schemas.openxmlformats.org/drawingml/2006/main" xmlns:r="http://schemas.openxmlformats.org/officeDocument/2006/relationships" xmlns:p="http://schemas.openxmlformats.org/presentationml/2006/main">
+  <p:cSld>
+    <p:spTree>
+      <p:nvGrpSpPr>
+        <p:cNvPr id="1" name=""/>
+        <p:cNvGrpSpPr/>
+        <p:nvPr/>
+      </p:nvGrpSpPr>
+      <p:grpSpPr>
+        <a:xfrm>
+          <a:off x="0" y="0"/>
+          <a:ext cx="0" cy="0"/>
+          <a:chOff x="0" y="0"/>
+          <a:chExt cx="0" cy="0"/>
+        </a:xfrm>
+      </p:grpSpPr>
+      <p:sp>
+        <p:nvSpPr>
+          <p:cNvPr id="2" name="Title 1"/>
+          <p:cNvSpPr>
+            <a:spLocks noGrp="1"/>
+          </p:cNvSpPr>
+          <p:nvPr>
+            <p:ph type="title"/>
+          </p:nvPr>
+        </p:nvSpPr>
+        <p:spPr/>
+        <p:txBody>
+          <a:bodyPr/>
+          <a:lstStyle/>
+          <a:p>
+            <a:r>
+              <a:rPr lang="en-US" dirty="0"/>
               <a:t>Example: Additional Recovery Strategies</a:t>
             </a:r>
             <a:br>
@@ -8950,7 +9358,7 @@
             <a:fld id="{5F271557-76C1-4390-9827-E45E8E4E29D5}" type="slidenum">
               <a:rPr lang="en-US" smtClean="0"/>
               <a:pPr/>
-              <a:t>22</a:t>
+              <a:t>23</a:t>
             </a:fld>
             <a:endParaRPr lang="en-US"/>
           </a:p>

--- a/PowerPoint Slides/07 - Error Handling.pptx
+++ b/PowerPoint Slides/07 - Error Handling.pptx
@@ -6278,8 +6278,12 @@
               <a:rPr lang="en-US" dirty="0"/>
             </a:br>
             <a:r>
-              <a:rPr lang="en-US" dirty="0"/>
-              <a:t>a static field and then reference it as needed.</a:t>
+              <a:rPr lang="en-US"/>
+              <a:t>a property </a:t>
+            </a:r>
+            <a:r>
+              <a:rPr lang="en-US" dirty="0"/>
+              <a:t>and then reference it as needed.</a:t>
             </a:r>
           </a:p>
           <a:p>
